--- a/Presentations/Lab_3_JOIN.pptx
+++ b/Presentations/Lab_3_JOIN.pptx
@@ -5,16 +5,16 @@
     <p:sldMasterId id="2147483648" r:id="rId1"/>
   </p:sldMasterIdLst>
   <p:notesMasterIdLst>
-    <p:notesMasterId r:id="rId10"/>
+    <p:notesMasterId r:id="rId9"/>
   </p:notesMasterIdLst>
   <p:sldIdLst>
-    <p:sldId id="256" r:id="rId3"/>
-    <p:sldId id="261" r:id="rId4"/>
-    <p:sldId id="274" r:id="rId5"/>
-    <p:sldId id="297" r:id="rId6"/>
-    <p:sldId id="299" r:id="rId7"/>
-    <p:sldId id="301" r:id="rId8"/>
-    <p:sldId id="260" r:id="rId9"/>
+    <p:sldId id="256" r:id="rId2"/>
+    <p:sldId id="261" r:id="rId3"/>
+    <p:sldId id="274" r:id="rId4"/>
+    <p:sldId id="297" r:id="rId5"/>
+    <p:sldId id="299" r:id="rId6"/>
+    <p:sldId id="301" r:id="rId7"/>
+    <p:sldId id="260" r:id="rId8"/>
   </p:sldIdLst>
   <p:sldSz cx="9144000" cy="6858000" type="screen4x3"/>
   <p:notesSz cx="6858000" cy="9144000"/>
@@ -121,32 +121,34 @@
             <p14:sldId id="256"/>
             <p14:sldId id="261"/>
             <p14:sldId id="274"/>
-            <p14:sldId id="275"/>
-            <p14:sldId id="276"/>
-            <p14:sldId id="277"/>
-            <p14:sldId id="278"/>
-            <p14:sldId id="279"/>
-            <p14:sldId id="280"/>
-            <p14:sldId id="281"/>
-            <p14:sldId id="282"/>
-            <p14:sldId id="283"/>
-            <p14:sldId id="284"/>
-            <p14:sldId id="285"/>
-            <p14:sldId id="286"/>
-            <p14:sldId id="288"/>
-            <p14:sldId id="287"/>
-            <p14:sldId id="291"/>
-            <p14:sldId id="289"/>
-            <p14:sldId id="292"/>
-            <p14:sldId id="290"/>
-            <p14:sldId id="293"/>
+            <p14:sldId id="297"/>
+            <p14:sldId id="299"/>
+            <p14:sldId id="301"/>
             <p14:sldId id="260"/>
           </p14:sldIdLst>
         </p14:section>
       </p14:sectionLst>
     </p:ext>
+    <p:ext uri="{EFAFB233-063F-42B5-8137-9DF3F51BA10A}">
+      <p15:sldGuideLst xmlns:p15="http://schemas.microsoft.com/office/powerpoint/2012/main">
+        <p15:guide id="1" orient="horz" pos="2160">
+          <p15:clr>
+            <a:srgbClr val="A4A3A4"/>
+          </p15:clr>
+        </p15:guide>
+        <p15:guide id="2" pos="2863">
+          <p15:clr>
+            <a:srgbClr val="A4A3A4"/>
+          </p15:clr>
+        </p15:guide>
+      </p15:sldGuideLst>
+    </p:ext>
   </p:extLst>
 </p:presentation>
+</file>
+
+<file path=ppt/revisionInfo.xml><?xml version="1.0" encoding="utf-8"?>
+<p1510:revInfo xmlns:a="http://schemas.openxmlformats.org/drawingml/2006/main" xmlns:r="http://schemas.openxmlformats.org/officeDocument/2006/relationships" xmlns:p1510="http://schemas.microsoft.com/office/powerpoint/2015/10/main"/>
 </file>
 
 <file path=ppt/notesMasters/notesMaster1.xml><?xml version="1.0" encoding="utf-8"?>
@@ -231,6 +233,7 @@
           <a:p>
             <a:fld id="{81CFF8C7-C57D-4492-855C-AD914604A572}" type="datetimeFigureOut">
               <a:rPr lang="ru-RU" smtClean="0"/>
+              <a:t>20.01.2018</a:t>
             </a:fld>
             <a:endParaRPr lang="ru-RU"/>
           </a:p>
@@ -297,7 +300,6 @@
               <a:rPr lang="ru-RU"/>
               <a:t>Образец текста</a:t>
             </a:r>
-            <a:endParaRPr lang="ru-RU"/>
           </a:p>
           <a:p>
             <a:pPr lvl="1"/>
@@ -305,7 +307,6 @@
               <a:rPr lang="ru-RU"/>
               <a:t>Второй уровень</a:t>
             </a:r>
-            <a:endParaRPr lang="ru-RU"/>
           </a:p>
           <a:p>
             <a:pPr lvl="2"/>
@@ -313,7 +314,6 @@
               <a:rPr lang="ru-RU"/>
               <a:t>Третий уровень</a:t>
             </a:r>
-            <a:endParaRPr lang="ru-RU"/>
           </a:p>
           <a:p>
             <a:pPr lvl="3"/>
@@ -321,7 +321,6 @@
               <a:rPr lang="ru-RU"/>
               <a:t>Четвертый уровень</a:t>
             </a:r>
-            <a:endParaRPr lang="ru-RU"/>
           </a:p>
           <a:p>
             <a:pPr lvl="4"/>
@@ -392,6 +391,7 @@
           <a:p>
             <a:fld id="{0CF71528-B6E9-4397-B8DB-FB98764CBEEF}" type="slidenum">
               <a:rPr lang="ru-RU" smtClean="0"/>
+              <a:t>‹#›</a:t>
             </a:fld>
             <a:endParaRPr lang="ru-RU"/>
           </a:p>
@@ -772,7 +772,6 @@
               <a:rPr lang="ru-RU" dirty="0"/>
               <a:t>Образец текста</a:t>
             </a:r>
-            <a:endParaRPr lang="ru-RU" dirty="0"/>
           </a:p>
           <a:p>
             <a:pPr lvl="1"/>
@@ -780,7 +779,6 @@
               <a:rPr lang="ru-RU" dirty="0"/>
               <a:t>Второй уровень</a:t>
             </a:r>
-            <a:endParaRPr lang="ru-RU" dirty="0"/>
           </a:p>
           <a:p>
             <a:pPr lvl="2"/>
@@ -788,7 +786,6 @@
               <a:rPr lang="ru-RU" dirty="0"/>
               <a:t>Третий уровень</a:t>
             </a:r>
-            <a:endParaRPr lang="ru-RU" dirty="0"/>
           </a:p>
           <a:p>
             <a:pPr lvl="3"/>
@@ -796,7 +793,6 @@
               <a:rPr lang="ru-RU" dirty="0"/>
               <a:t>Четвертый уровень</a:t>
             </a:r>
-            <a:endParaRPr lang="ru-RU" dirty="0"/>
           </a:p>
           <a:p>
             <a:pPr lvl="4"/>
@@ -833,6 +829,7 @@
           <a:p>
             <a:fld id="{33067CA6-2D92-4602-87FB-B81B94BA46B2}" type="slidenum">
               <a:rPr lang="ru-RU" smtClean="0"/>
+              <a:t>‹#›</a:t>
             </a:fld>
             <a:endParaRPr lang="ru-RU" dirty="0"/>
           </a:p>
@@ -1091,7 +1088,6 @@
               <a:rPr lang="ru-RU" dirty="0"/>
               <a:t>Образец текста</a:t>
             </a:r>
-            <a:endParaRPr lang="ru-RU" dirty="0"/>
           </a:p>
           <a:p>
             <a:pPr lvl="1"/>
@@ -1099,7 +1095,6 @@
               <a:rPr lang="ru-RU" dirty="0"/>
               <a:t>Второй уровень</a:t>
             </a:r>
-            <a:endParaRPr lang="ru-RU" dirty="0"/>
           </a:p>
           <a:p>
             <a:pPr lvl="2"/>
@@ -1107,7 +1102,6 @@
               <a:rPr lang="ru-RU" dirty="0"/>
               <a:t>Третий уровень</a:t>
             </a:r>
-            <a:endParaRPr lang="ru-RU" dirty="0"/>
           </a:p>
           <a:p>
             <a:pPr lvl="3"/>
@@ -1115,7 +1109,6 @@
               <a:rPr lang="ru-RU" dirty="0"/>
               <a:t>Четвертый уровень</a:t>
             </a:r>
-            <a:endParaRPr lang="ru-RU" dirty="0"/>
           </a:p>
           <a:p>
             <a:pPr lvl="4"/>
@@ -1152,6 +1145,7 @@
           <a:p>
             <a:fld id="{33067CA6-2D92-4602-87FB-B81B94BA46B2}" type="slidenum">
               <a:rPr lang="ru-RU" smtClean="0"/>
+              <a:t>‹#›</a:t>
             </a:fld>
             <a:endParaRPr lang="ru-RU" dirty="0"/>
           </a:p>
@@ -1267,6 +1261,7 @@
           <a:p>
             <a:fld id="{33067CA6-2D92-4602-87FB-B81B94BA46B2}" type="slidenum">
               <a:rPr lang="ru-RU" smtClean="0"/>
+              <a:t>‹#›</a:t>
             </a:fld>
             <a:endParaRPr lang="ru-RU" dirty="0"/>
           </a:p>
@@ -1297,7 +1292,6 @@
               <a:rPr lang="ru-RU" dirty="0"/>
               <a:t>Образец текста</a:t>
             </a:r>
-            <a:endParaRPr lang="ru-RU" dirty="0"/>
           </a:p>
           <a:p>
             <a:pPr lvl="1"/>
@@ -1305,7 +1299,6 @@
               <a:rPr lang="ru-RU" dirty="0"/>
               <a:t>Второй уровень</a:t>
             </a:r>
-            <a:endParaRPr lang="ru-RU" dirty="0"/>
           </a:p>
           <a:p>
             <a:pPr lvl="2"/>
@@ -1313,7 +1306,6 @@
               <a:rPr lang="ru-RU" dirty="0"/>
               <a:t>Третий уровень</a:t>
             </a:r>
-            <a:endParaRPr lang="ru-RU" dirty="0"/>
           </a:p>
           <a:p>
             <a:pPr lvl="3"/>
@@ -1321,7 +1313,6 @@
               <a:rPr lang="ru-RU" dirty="0"/>
               <a:t>Четвертый уровень</a:t>
             </a:r>
-            <a:endParaRPr lang="ru-RU" dirty="0"/>
           </a:p>
           <a:p>
             <a:pPr lvl="4"/>
@@ -1613,7 +1604,7 @@
     <p:bg>
       <p:bgPr>
         <a:blipFill dpi="0" rotWithShape="1">
-          <a:blip r:embed="rId6">
+          <a:blip r:embed="rId7">
             <a:lum/>
           </a:blip>
           <a:srcRect/>
@@ -1700,7 +1691,6 @@
               <a:rPr lang="ru-RU"/>
               <a:t>Образец текста</a:t>
             </a:r>
-            <a:endParaRPr lang="ru-RU"/>
           </a:p>
           <a:p>
             <a:pPr lvl="1"/>
@@ -1708,7 +1698,6 @@
               <a:rPr lang="ru-RU"/>
               <a:t>Второй уровень</a:t>
             </a:r>
-            <a:endParaRPr lang="ru-RU"/>
           </a:p>
           <a:p>
             <a:pPr lvl="2"/>
@@ -1716,7 +1705,6 @@
               <a:rPr lang="ru-RU"/>
               <a:t>Третий уровень</a:t>
             </a:r>
-            <a:endParaRPr lang="ru-RU"/>
           </a:p>
           <a:p>
             <a:pPr lvl="3"/>
@@ -1724,7 +1712,6 @@
               <a:rPr lang="ru-RU"/>
               <a:t>Четвертый уровень</a:t>
             </a:r>
-            <a:endParaRPr lang="ru-RU"/>
           </a:p>
           <a:p>
             <a:pPr lvl="4"/>
@@ -1770,6 +1757,7 @@
           <a:p>
             <a:fld id="{B3D7935A-E16E-4B6D-89BB-CEE100CDDA09}" type="datetime1">
               <a:rPr lang="ru-RU" smtClean="0"/>
+              <a:t>20.01.2018</a:t>
             </a:fld>
             <a:endParaRPr lang="ru-RU"/>
           </a:p>
@@ -1847,6 +1835,7 @@
           <a:p>
             <a:fld id="{33067CA6-2D92-4602-87FB-B81B94BA46B2}" type="slidenum">
               <a:rPr lang="ru-RU" smtClean="0"/>
+              <a:t>‹#›</a:t>
             </a:fld>
             <a:endParaRPr lang="ru-RU"/>
           </a:p>
@@ -2191,7 +2180,6 @@
               <a:rPr lang="ru-RU" altLang="ru-RU" sz="2400" dirty="0"/>
               <a:t>Герман Константинович</a:t>
             </a:r>
-            <a:endParaRPr lang="ru-RU" altLang="ru-RU" sz="2400" dirty="0"/>
           </a:p>
           <a:p>
             <a:pPr algn="r"/>
@@ -2252,7 +2240,6 @@
               <a:rPr lang="x-none" altLang="ru-RU" dirty="0"/>
               <a:t>План</a:t>
             </a:r>
-            <a:endParaRPr lang="x-none" altLang="ru-RU" dirty="0"/>
           </a:p>
         </p:txBody>
       </p:sp>
@@ -2278,32 +2265,42 @@
           </a:bodyPr>
           <a:lstStyle/>
           <a:p>
+            <a:pPr marL="0" indent="0">
+              <a:buNone/>
+            </a:pPr>
+            <a:r>
+              <a:rPr lang="x-none" altLang="ru-RU" dirty="0"/>
+              <a:t>Задачи на пару:</a:t>
+            </a:r>
+            <a:endParaRPr lang="en-US" altLang="ru-RU" dirty="0"/>
+          </a:p>
+          <a:p>
+            <a:pPr lvl="1"/>
             <a:r>
               <a:rPr lang="x-none" altLang="ru-RU" dirty="0"/>
               <a:t>Варианты операции JOIN</a:t>
             </a:r>
-            <a:endParaRPr lang="x-none" altLang="ru-RU" dirty="0"/>
-          </a:p>
-          <a:p>
+          </a:p>
+          <a:p>
+            <a:pPr lvl="1"/>
             <a:r>
               <a:rPr lang="x-none" altLang="ru-RU" dirty="0"/>
               <a:t>Простое объединение таблиц</a:t>
             </a:r>
-            <a:endParaRPr lang="x-none" altLang="ru-RU" dirty="0"/>
-          </a:p>
-          <a:p>
+          </a:p>
+          <a:p>
+            <a:pPr lvl="1"/>
             <a:r>
               <a:rPr lang="x-none" altLang="ru-RU" dirty="0"/>
               <a:t>Работа с JOINами</a:t>
             </a:r>
-            <a:endParaRPr lang="x-none" altLang="ru-RU" dirty="0"/>
-          </a:p>
-          <a:p>
-            <a:r>
-              <a:rPr lang="x-none"/>
+          </a:p>
+          <a:p>
+            <a:pPr lvl="1"/>
+            <a:r>
+              <a:rPr lang="x-none" dirty="0"/>
               <a:t>Домашнее задание</a:t>
             </a:r>
-            <a:endParaRPr lang="x-none"/>
           </a:p>
         </p:txBody>
       </p:sp>
@@ -2324,6 +2321,7 @@
           <a:p>
             <a:fld id="{33067CA6-2D92-4602-87FB-B81B94BA46B2}" type="slidenum">
               <a:rPr lang="ru-RU" smtClean="0"/>
+              <a:t>2</a:t>
             </a:fld>
             <a:endParaRPr lang="ru-RU" dirty="0"/>
           </a:p>
@@ -2399,7 +2397,7 @@
         </p:spPr>
         <p:txBody>
           <a:bodyPr>
-            <a:normAutofit lnSpcReduction="10000"/>
+            <a:normAutofit/>
           </a:bodyPr>
           <a:lstStyle/>
           <a:p>
@@ -2433,6 +2431,7 @@
           <a:p>
             <a:fld id="{33067CA6-2D92-4602-87FB-B81B94BA46B2}" type="slidenum">
               <a:rPr lang="ru-RU" smtClean="0"/>
+              <a:t>3</a:t>
             </a:fld>
             <a:endParaRPr lang="ru-RU" dirty="0"/>
           </a:p>
@@ -2447,7 +2446,7 @@
           <p:nvPr/>
         </p:nvPicPr>
         <p:blipFill>
-          <a:blip r:embed="rId1"/>
+          <a:blip r:embed="rId2"/>
           <a:stretch>
             <a:fillRect/>
           </a:stretch>
@@ -2508,7 +2507,6 @@
               <a:rPr lang="x-none" altLang="ru-RU" dirty="0"/>
               <a:t>Схема БД</a:t>
             </a:r>
-            <a:endParaRPr lang="x-none" altLang="ru-RU" dirty="0"/>
           </a:p>
         </p:txBody>
       </p:sp>
@@ -2529,6 +2527,7 @@
           <a:p>
             <a:fld id="{33067CA6-2D92-4602-87FB-B81B94BA46B2}" type="slidenum">
               <a:rPr lang="ru-RU" smtClean="0"/>
+              <a:t>4</a:t>
             </a:fld>
             <a:endParaRPr lang="ru-RU" dirty="0"/>
           </a:p>
@@ -2560,35 +2559,30 @@
               <a:rPr lang="ru-RU" sz="2400" dirty="0"/>
               <a:t>Студент</a:t>
             </a:r>
-            <a:endParaRPr lang="ru-RU" sz="2400" dirty="0"/>
           </a:p>
           <a:p>
             <a:r>
               <a:rPr lang="ru-RU" sz="2400" dirty="0"/>
               <a:t>Группа</a:t>
             </a:r>
-            <a:endParaRPr lang="ru-RU" sz="2400" dirty="0"/>
           </a:p>
           <a:p>
             <a:r>
               <a:rPr lang="ru-RU" sz="2400" dirty="0"/>
               <a:t>Предмет</a:t>
             </a:r>
-            <a:endParaRPr lang="ru-RU" sz="2400" dirty="0"/>
           </a:p>
           <a:p>
             <a:r>
               <a:rPr lang="ru-RU" sz="2400" dirty="0"/>
               <a:t>Оценка</a:t>
             </a:r>
-            <a:endParaRPr lang="ru-RU" sz="2400" dirty="0"/>
           </a:p>
           <a:p>
             <a:r>
               <a:rPr lang="ru-RU" sz="2400" dirty="0"/>
               <a:t>Экзамен</a:t>
             </a:r>
-            <a:endParaRPr lang="ru-RU" sz="2400" dirty="0"/>
           </a:p>
           <a:p>
             <a:endParaRPr lang="ru-RU" sz="2400" dirty="0"/>
@@ -2765,7 +2759,6 @@
               <a:rPr lang="ru-RU" sz="2400" dirty="0"/>
               <a:t>Отношения</a:t>
             </a:r>
-            <a:endParaRPr lang="ru-RU" sz="2400" dirty="0"/>
           </a:p>
           <a:p>
             <a:r>
@@ -2780,14 +2773,12 @@
               <a:rPr lang="ru-RU" sz="2400" dirty="0"/>
               <a:t>Студент</a:t>
             </a:r>
-            <a:endParaRPr lang="ru-RU" sz="2400" dirty="0"/>
           </a:p>
           <a:p>
             <a:r>
               <a:rPr lang="ru-RU" sz="2400" dirty="0"/>
               <a:t>Группа 1:1 Староста</a:t>
             </a:r>
-            <a:endParaRPr lang="ru-RU" sz="2400" dirty="0"/>
           </a:p>
           <a:p>
             <a:endParaRPr lang="ru-RU" sz="2400" dirty="0"/>
@@ -2805,7 +2796,6 @@
               <a:rPr lang="ru-RU" sz="2400" dirty="0"/>
               <a:t>:1 Предмет</a:t>
             </a:r>
-            <a:endParaRPr lang="ru-RU" sz="2400" dirty="0"/>
           </a:p>
           <a:p>
             <a:r>
@@ -2820,7 +2810,6 @@
               <a:rPr lang="ru-RU" sz="2400" dirty="0"/>
               <a:t>:1 Группа</a:t>
             </a:r>
-            <a:endParaRPr lang="ru-RU" sz="2400" dirty="0"/>
           </a:p>
           <a:p>
             <a:r>
@@ -2835,7 +2824,6 @@
               <a:rPr lang="ru-RU" sz="2400" dirty="0"/>
               <a:t>Экзамен</a:t>
             </a:r>
-            <a:endParaRPr lang="ru-RU" sz="2400" dirty="0"/>
           </a:p>
           <a:p>
             <a:r>
@@ -2850,7 +2838,6 @@
               <a:rPr lang="ru-RU" sz="2400" dirty="0"/>
               <a:t>Студент</a:t>
             </a:r>
-            <a:endParaRPr lang="ru-RU" sz="2400" dirty="0"/>
           </a:p>
           <a:p>
             <a:endParaRPr lang="ru-RU" sz="2400" dirty="0"/>
@@ -2910,7 +2897,6 @@
               <a:rPr lang="x-none" altLang="ru-RU" dirty="0"/>
               <a:t>Схема БД</a:t>
             </a:r>
-            <a:endParaRPr lang="x-none" altLang="ru-RU" dirty="0"/>
           </a:p>
         </p:txBody>
       </p:sp>
@@ -2951,9 +2937,6 @@
               </a:rPr>
               <a:t>ты</a:t>
             </a:r>
-            <a:endParaRPr lang="x-none" altLang="ru-RU" sz="1800" dirty="0">
-              <a:sym typeface="+mn-ea"/>
-            </a:endParaRPr>
           </a:p>
           <a:p>
             <a:pPr marL="742950" lvl="1" indent="-285750"/>
@@ -2961,7 +2944,6 @@
               <a:rPr lang="x-none" sz="1575"/>
               <a:t>Id</a:t>
             </a:r>
-            <a:endParaRPr lang="x-none" sz="1575"/>
           </a:p>
           <a:p>
             <a:pPr marL="742950" lvl="1" indent="-285750"/>
@@ -2969,7 +2951,6 @@
               <a:rPr lang="x-none" sz="1575"/>
               <a:t>Name</a:t>
             </a:r>
-            <a:endParaRPr lang="x-none" sz="1575"/>
           </a:p>
           <a:p>
             <a:pPr marL="0" indent="0">
@@ -2985,7 +2966,6 @@
               <a:rPr lang="x-none" sz="1800"/>
               <a:t>Группы</a:t>
             </a:r>
-            <a:endParaRPr lang="x-none" sz="1800"/>
           </a:p>
           <a:p>
             <a:pPr marL="742950" lvl="1" indent="-285750"/>
@@ -2993,7 +2973,6 @@
               <a:rPr lang="x-none" sz="1575"/>
               <a:t>Id</a:t>
             </a:r>
-            <a:endParaRPr lang="x-none" sz="1575"/>
           </a:p>
           <a:p>
             <a:pPr marL="742950" lvl="1" indent="-285750"/>
@@ -3001,7 +2980,6 @@
               <a:rPr lang="x-none" sz="1575"/>
               <a:t>Номер</a:t>
             </a:r>
-            <a:endParaRPr lang="x-none" sz="1575"/>
           </a:p>
           <a:p>
             <a:pPr marL="742950" lvl="1" indent="-285750"/>
@@ -3009,7 +2987,6 @@
               <a:rPr lang="x-none" sz="1575"/>
               <a:t>Id старосты</a:t>
             </a:r>
-            <a:endParaRPr lang="x-none" sz="1575"/>
           </a:p>
           <a:p>
             <a:pPr marL="0" indent="0">
@@ -3025,7 +3002,6 @@
               <a:rPr lang="x-none" sz="1800"/>
               <a:t>Предметы</a:t>
             </a:r>
-            <a:endParaRPr lang="x-none" sz="1800"/>
           </a:p>
           <a:p>
             <a:pPr marL="742950" lvl="1" indent="-285750"/>
@@ -3033,7 +3009,6 @@
               <a:rPr lang="x-none" sz="1575"/>
               <a:t>Id</a:t>
             </a:r>
-            <a:endParaRPr lang="x-none" sz="1575"/>
           </a:p>
           <a:p>
             <a:pPr marL="742950" lvl="1" indent="-285750"/>
@@ -3041,7 +3016,6 @@
               <a:rPr lang="x-none" sz="1575"/>
               <a:t>Name</a:t>
             </a:r>
-            <a:endParaRPr lang="x-none" sz="1575"/>
           </a:p>
           <a:p>
             <a:pPr marL="285750" indent="-285750"/>
@@ -3066,6 +3040,7 @@
           <a:p>
             <a:fld id="{33067CA6-2D92-4602-87FB-B81B94BA46B2}" type="slidenum">
               <a:rPr lang="ru-RU" smtClean="0"/>
+              <a:t>5</a:t>
             </a:fld>
             <a:endParaRPr lang="ru-RU" dirty="0"/>
           </a:p>
@@ -3239,9 +3214,6 @@
               </a:rPr>
               <a:t>Оценки</a:t>
             </a:r>
-            <a:endParaRPr lang="x-none" altLang="ru-RU" sz="1800" dirty="0">
-              <a:sym typeface="+mn-ea"/>
-            </a:endParaRPr>
           </a:p>
           <a:p>
             <a:pPr marL="742950" lvl="1" indent="-285750"/>
@@ -3249,7 +3221,6 @@
               <a:rPr lang="x-none" sz="1575"/>
               <a:t>Id</a:t>
             </a:r>
-            <a:endParaRPr lang="x-none" sz="1575"/>
           </a:p>
           <a:p>
             <a:pPr marL="742950" lvl="1" indent="-285750"/>
@@ -3257,7 +3228,6 @@
               <a:rPr lang="x-none" sz="1575"/>
               <a:t>Mark</a:t>
             </a:r>
-            <a:endParaRPr lang="x-none" sz="1575"/>
           </a:p>
           <a:p>
             <a:pPr marL="742950" lvl="1" indent="-285750"/>
@@ -3265,7 +3235,6 @@
               <a:rPr lang="x-none" sz="1575"/>
               <a:t>Id студента</a:t>
             </a:r>
-            <a:endParaRPr lang="x-none" sz="1575"/>
           </a:p>
           <a:p>
             <a:pPr marL="742950" lvl="1" indent="-285750"/>
@@ -3273,7 +3242,6 @@
               <a:rPr lang="x-none" sz="1575"/>
               <a:t>Id экзамена</a:t>
             </a:r>
-            <a:endParaRPr lang="x-none" sz="1575"/>
           </a:p>
           <a:p>
             <a:pPr marL="0" indent="0">
@@ -3289,7 +3257,6 @@
               <a:rPr lang="x-none" sz="1800"/>
               <a:t>Экзамены</a:t>
             </a:r>
-            <a:endParaRPr lang="x-none" sz="1800"/>
           </a:p>
           <a:p>
             <a:pPr marL="742950" lvl="1" indent="-285750"/>
@@ -3297,7 +3264,6 @@
               <a:rPr lang="x-none" sz="1575"/>
               <a:t>Id</a:t>
             </a:r>
-            <a:endParaRPr lang="x-none" sz="1575"/>
           </a:p>
           <a:p>
             <a:pPr marL="742950" lvl="1" indent="-285750"/>
@@ -3305,7 +3271,6 @@
               <a:rPr lang="x-none" sz="1575"/>
               <a:t>Id группы</a:t>
             </a:r>
-            <a:endParaRPr lang="x-none" sz="1575"/>
           </a:p>
           <a:p>
             <a:pPr marL="742950" lvl="1" indent="-285750"/>
@@ -3313,7 +3278,6 @@
               <a:rPr lang="x-none" sz="1575"/>
               <a:t>Id предмета</a:t>
             </a:r>
-            <a:endParaRPr lang="x-none" sz="1575"/>
           </a:p>
           <a:p>
             <a:pPr marL="0" indent="0">
@@ -3344,7 +3308,14 @@
         <p:cNvGrpSpPr/>
         <p:nvPr/>
       </p:nvGrpSpPr>
-      <p:grpSpPr/>
+      <p:grpSpPr>
+        <a:xfrm>
+          <a:off x="0" y="0"/>
+          <a:ext cx="0" cy="0"/>
+          <a:chOff x="0" y="0"/>
+          <a:chExt cx="0" cy="0"/>
+        </a:xfrm>
+      </p:grpSpPr>
       <p:sp>
         <p:nvSpPr>
           <p:cNvPr id="2" name="Title 1"/>
@@ -3360,12 +3331,12 @@
           <a:bodyPr>
             <a:normAutofit fontScale="90000"/>
           </a:bodyPr>
+          <a:lstStyle/>
           <a:p>
             <a:r>
               <a:rPr lang="x-none" altLang="ru-RU"/>
               <a:t>Домашнее задание</a:t>
             </a:r>
-            <a:endParaRPr lang="x-none" altLang="ru-RU"/>
           </a:p>
         </p:txBody>
       </p:sp>
@@ -3382,8 +3353,9 @@
         <p:spPr/>
         <p:txBody>
           <a:bodyPr>
-            <a:normAutofit fontScale="80000"/>
+            <a:normAutofit fontScale="80000" lnSpcReduction="10000"/>
           </a:bodyPr>
+          <a:lstStyle/>
           <a:p>
             <a:r>
               <a:rPr lang="ru-RU" altLang="en-US"/>
@@ -3399,21 +3371,18 @@
               <a:rPr lang="ru-RU" altLang="en-US"/>
               <a:t>Подходящие типы данных 	1</a:t>
             </a:r>
-            <a:endParaRPr lang="ru-RU" altLang="en-US"/>
           </a:p>
           <a:p>
             <a:r>
               <a:rPr lang="ru-RU" altLang="en-US"/>
               <a:t>Именование таблиц, полей 	2</a:t>
             </a:r>
-            <a:endParaRPr lang="ru-RU" altLang="en-US"/>
           </a:p>
           <a:p>
             <a:r>
               <a:rPr lang="ru-RU" altLang="en-US"/>
               <a:t>Ограничения PK 	1</a:t>
             </a:r>
-            <a:endParaRPr lang="ru-RU" altLang="en-US"/>
           </a:p>
           <a:p>
             <a:r>
@@ -3430,14 +3399,12 @@
               <a:rPr lang="ru-RU" altLang="en-US"/>
               <a:t>Соответствие схемы 3НФ 	1</a:t>
             </a:r>
-            <a:endParaRPr lang="ru-RU" altLang="en-US"/>
           </a:p>
           <a:p>
             <a:r>
               <a:rPr lang="ru-RU" altLang="en-US"/>
               <a:t>Данные в таблицах 	1</a:t>
             </a:r>
-            <a:endParaRPr lang="ru-RU" altLang="en-US"/>
           </a:p>
         </p:txBody>
       </p:sp>
@@ -3445,14 +3412,14 @@
         <p:nvPicPr>
           <p:cNvPr id="8" name="Content Placeholder 7" descr="1428257369706"/>
           <p:cNvPicPr>
-            <a:picLocks noChangeAspect="1"/>
+            <a:picLocks noGrp="1" noChangeAspect="1"/>
           </p:cNvPicPr>
           <p:nvPr>
             <p:ph idx="13"/>
           </p:nvPr>
         </p:nvPicPr>
         <p:blipFill>
-          <a:blip r:embed="rId1"/>
+          <a:blip r:embed="rId2"/>
           <a:stretch>
             <a:fillRect/>
           </a:stretch>
@@ -3471,14 +3438,14 @@
         <p:nvPicPr>
           <p:cNvPr id="9" name="Content Placeholder 8" descr="data"/>
           <p:cNvPicPr>
-            <a:picLocks noChangeAspect="1"/>
+            <a:picLocks noGrp="1" noChangeAspect="1"/>
           </p:cNvPicPr>
           <p:nvPr>
             <p:ph idx="14"/>
           </p:nvPr>
         </p:nvPicPr>
         <p:blipFill>
-          <a:blip r:embed="rId2"/>
+          <a:blip r:embed="rId3"/>
           <a:stretch>
             <a:fillRect/>
           </a:stretch>
@@ -3497,14 +3464,14 @@
         <p:nvPicPr>
           <p:cNvPr id="10" name="Content Placeholder 9" descr="datain"/>
           <p:cNvPicPr>
-            <a:picLocks noChangeAspect="1"/>
+            <a:picLocks noGrp="1" noChangeAspect="1"/>
           </p:cNvPicPr>
           <p:nvPr>
             <p:ph idx="15"/>
           </p:nvPr>
         </p:nvPicPr>
         <p:blipFill>
-          <a:blip r:embed="rId3"/>
+          <a:blip r:embed="rId4"/>
           <a:stretch>
             <a:fillRect/>
           </a:stretch>
@@ -3532,9 +3499,11 @@
         <p:spPr/>
         <p:txBody>
           <a:bodyPr/>
+          <a:lstStyle/>
           <a:p>
             <a:fld id="{33067CA6-2D92-4602-87FB-B81B94BA46B2}" type="slidenum">
               <a:rPr lang="ru-RU" smtClean="0"/>
+              <a:t>6</a:t>
             </a:fld>
             <a:endParaRPr lang="ru-RU" dirty="0"/>
           </a:p>
